--- a/Architecture.pptx
+++ b/Architecture.pptx
@@ -6,6 +6,7 @@
   </p:sldMasterIdLst>
   <p:sldIdLst>
     <p:sldId id="256" r:id="rId2"/>
+    <p:sldId id="257" r:id="rId3"/>
   </p:sldIdLst>
   <p:sldSz cx="12192000" cy="6858000"/>
   <p:notesSz cx="6858000" cy="9144000"/>
@@ -104,6 +105,11 @@
       </a:defRPr>
     </a:lvl9pPr>
   </p:defaultTextStyle>
+  <p:extLst>
+    <p:ext uri="{EFAFB233-063F-42B5-8137-9DF3F51BA10A}">
+      <p15:sldGuideLst xmlns:p15="http://schemas.microsoft.com/office/powerpoint/2012/main"/>
+    </p:ext>
+  </p:extLst>
 </p:presentation>
 </file>
 
@@ -152,7 +158,6 @@
               <a:rPr lang="en-US"/>
               <a:t>Click to edit Master title style</a:t>
             </a:r>
-            <a:endParaRPr lang="en-US"/>
           </a:p>
         </p:txBody>
       </p:sp>
@@ -217,7 +222,6 @@
               <a:rPr lang="en-US"/>
               <a:t>Click to edit Master subtitle style</a:t>
             </a:r>
-            <a:endParaRPr lang="en-US"/>
           </a:p>
         </p:txBody>
       </p:sp>
@@ -238,7 +242,7 @@
           <a:p>
             <a:fld id="{3E88370B-4DF7-4997-947C-9B04C461D63F}" type="datetimeFigureOut">
               <a:rPr lang="en-US" smtClean="0"/>
-              <a:t>4/3/2018</a:t>
+              <a:t>4/5/2018</a:t>
             </a:fld>
             <a:endParaRPr lang="en-US"/>
           </a:p>
@@ -335,7 +339,6 @@
               <a:rPr lang="en-US"/>
               <a:t>Click to edit Master title style</a:t>
             </a:r>
-            <a:endParaRPr lang="en-US"/>
           </a:p>
         </p:txBody>
       </p:sp>
@@ -387,7 +390,6 @@
               <a:rPr lang="en-US"/>
               <a:t>Fifth level</a:t>
             </a:r>
-            <a:endParaRPr lang="en-US"/>
           </a:p>
         </p:txBody>
       </p:sp>
@@ -408,7 +410,7 @@
           <a:p>
             <a:fld id="{3E88370B-4DF7-4997-947C-9B04C461D63F}" type="datetimeFigureOut">
               <a:rPr lang="en-US" smtClean="0"/>
-              <a:t>4/3/2018</a:t>
+              <a:t>4/5/2018</a:t>
             </a:fld>
             <a:endParaRPr lang="en-US"/>
           </a:p>
@@ -510,7 +512,6 @@
               <a:rPr lang="en-US"/>
               <a:t>Click to edit Master title style</a:t>
             </a:r>
-            <a:endParaRPr lang="en-US"/>
           </a:p>
         </p:txBody>
       </p:sp>
@@ -567,7 +568,6 @@
               <a:rPr lang="en-US"/>
               <a:t>Fifth level</a:t>
             </a:r>
-            <a:endParaRPr lang="en-US"/>
           </a:p>
         </p:txBody>
       </p:sp>
@@ -588,7 +588,7 @@
           <a:p>
             <a:fld id="{3E88370B-4DF7-4997-947C-9B04C461D63F}" type="datetimeFigureOut">
               <a:rPr lang="en-US" smtClean="0"/>
-              <a:t>4/3/2018</a:t>
+              <a:t>4/5/2018</a:t>
             </a:fld>
             <a:endParaRPr lang="en-US"/>
           </a:p>
@@ -685,7 +685,6 @@
               <a:rPr lang="en-US"/>
               <a:t>Click to edit Master title style</a:t>
             </a:r>
-            <a:endParaRPr lang="en-US"/>
           </a:p>
         </p:txBody>
       </p:sp>
@@ -737,7 +736,6 @@
               <a:rPr lang="en-US"/>
               <a:t>Fifth level</a:t>
             </a:r>
-            <a:endParaRPr lang="en-US"/>
           </a:p>
         </p:txBody>
       </p:sp>
@@ -758,7 +756,7 @@
           <a:p>
             <a:fld id="{3E88370B-4DF7-4997-947C-9B04C461D63F}" type="datetimeFigureOut">
               <a:rPr lang="en-US" smtClean="0"/>
-              <a:t>4/3/2018</a:t>
+              <a:t>4/5/2018</a:t>
             </a:fld>
             <a:endParaRPr lang="en-US"/>
           </a:p>
@@ -864,7 +862,6 @@
               <a:rPr lang="en-US"/>
               <a:t>Click to edit Master title style</a:t>
             </a:r>
-            <a:endParaRPr lang="en-US"/>
           </a:p>
         </p:txBody>
       </p:sp>
@@ -1004,7 +1001,7 @@
           <a:p>
             <a:fld id="{3E88370B-4DF7-4997-947C-9B04C461D63F}" type="datetimeFigureOut">
               <a:rPr lang="en-US" smtClean="0"/>
-              <a:t>4/3/2018</a:t>
+              <a:t>4/5/2018</a:t>
             </a:fld>
             <a:endParaRPr lang="en-US"/>
           </a:p>
@@ -1101,7 +1098,6 @@
               <a:rPr lang="en-US"/>
               <a:t>Click to edit Master title style</a:t>
             </a:r>
-            <a:endParaRPr lang="en-US"/>
           </a:p>
         </p:txBody>
       </p:sp>
@@ -1158,7 +1154,6 @@
               <a:rPr lang="en-US"/>
               <a:t>Fifth level</a:t>
             </a:r>
-            <a:endParaRPr lang="en-US"/>
           </a:p>
         </p:txBody>
       </p:sp>
@@ -1215,7 +1210,6 @@
               <a:rPr lang="en-US"/>
               <a:t>Fifth level</a:t>
             </a:r>
-            <a:endParaRPr lang="en-US"/>
           </a:p>
         </p:txBody>
       </p:sp>
@@ -1236,7 +1230,7 @@
           <a:p>
             <a:fld id="{3E88370B-4DF7-4997-947C-9B04C461D63F}" type="datetimeFigureOut">
               <a:rPr lang="en-US" smtClean="0"/>
-              <a:t>4/3/2018</a:t>
+              <a:t>4/5/2018</a:t>
             </a:fld>
             <a:endParaRPr lang="en-US"/>
           </a:p>
@@ -1338,7 +1332,6 @@
               <a:rPr lang="en-US"/>
               <a:t>Click to edit Master title style</a:t>
             </a:r>
-            <a:endParaRPr lang="en-US"/>
           </a:p>
         </p:txBody>
       </p:sp>
@@ -1460,7 +1453,6 @@
               <a:rPr lang="en-US"/>
               <a:t>Fifth level</a:t>
             </a:r>
-            <a:endParaRPr lang="en-US"/>
           </a:p>
         </p:txBody>
       </p:sp>
@@ -1582,7 +1574,6 @@
               <a:rPr lang="en-US"/>
               <a:t>Fifth level</a:t>
             </a:r>
-            <a:endParaRPr lang="en-US"/>
           </a:p>
         </p:txBody>
       </p:sp>
@@ -1603,7 +1594,7 @@
           <a:p>
             <a:fld id="{3E88370B-4DF7-4997-947C-9B04C461D63F}" type="datetimeFigureOut">
               <a:rPr lang="en-US" smtClean="0"/>
-              <a:t>4/3/2018</a:t>
+              <a:t>4/5/2018</a:t>
             </a:fld>
             <a:endParaRPr lang="en-US"/>
           </a:p>
@@ -1700,7 +1691,6 @@
               <a:rPr lang="en-US"/>
               <a:t>Click to edit Master title style</a:t>
             </a:r>
-            <a:endParaRPr lang="en-US"/>
           </a:p>
         </p:txBody>
       </p:sp>
@@ -1721,7 +1711,7 @@
           <a:p>
             <a:fld id="{3E88370B-4DF7-4997-947C-9B04C461D63F}" type="datetimeFigureOut">
               <a:rPr lang="en-US" smtClean="0"/>
-              <a:t>4/3/2018</a:t>
+              <a:t>4/5/2018</a:t>
             </a:fld>
             <a:endParaRPr lang="en-US"/>
           </a:p>
@@ -1816,7 +1806,7 @@
           <a:p>
             <a:fld id="{3E88370B-4DF7-4997-947C-9B04C461D63F}" type="datetimeFigureOut">
               <a:rPr lang="en-US" smtClean="0"/>
-              <a:t>4/3/2018</a:t>
+              <a:t>4/5/2018</a:t>
             </a:fld>
             <a:endParaRPr lang="en-US"/>
           </a:p>
@@ -1922,7 +1912,6 @@
               <a:rPr lang="en-US"/>
               <a:t>Click to edit Master title style</a:t>
             </a:r>
-            <a:endParaRPr lang="en-US"/>
           </a:p>
         </p:txBody>
       </p:sp>
@@ -2007,7 +1996,6 @@
               <a:rPr lang="en-US"/>
               <a:t>Fifth level</a:t>
             </a:r>
-            <a:endParaRPr lang="en-US"/>
           </a:p>
         </p:txBody>
       </p:sp>
@@ -2093,7 +2081,7 @@
           <a:p>
             <a:fld id="{3E88370B-4DF7-4997-947C-9B04C461D63F}" type="datetimeFigureOut">
               <a:rPr lang="en-US" smtClean="0"/>
-              <a:t>4/3/2018</a:t>
+              <a:t>4/5/2018</a:t>
             </a:fld>
             <a:endParaRPr lang="en-US"/>
           </a:p>
@@ -2199,7 +2187,6 @@
               <a:rPr lang="en-US"/>
               <a:t>Click to edit Master title style</a:t>
             </a:r>
-            <a:endParaRPr lang="en-US"/>
           </a:p>
         </p:txBody>
       </p:sp>
@@ -2346,7 +2333,7 @@
           <a:p>
             <a:fld id="{3E88370B-4DF7-4997-947C-9B04C461D63F}" type="datetimeFigureOut">
               <a:rPr lang="en-US" smtClean="0"/>
-              <a:t>4/3/2018</a:t>
+              <a:t>4/5/2018</a:t>
             </a:fld>
             <a:endParaRPr lang="en-US"/>
           </a:p>
@@ -2458,7 +2445,6 @@
               <a:rPr lang="en-US"/>
               <a:t>Click to edit Master title style</a:t>
             </a:r>
-            <a:endParaRPr lang="en-US"/>
           </a:p>
         </p:txBody>
       </p:sp>
@@ -2520,7 +2506,6 @@
               <a:rPr lang="en-US"/>
               <a:t>Fifth level</a:t>
             </a:r>
-            <a:endParaRPr lang="en-US"/>
           </a:p>
         </p:txBody>
       </p:sp>
@@ -2559,7 +2544,7 @@
           <a:p>
             <a:fld id="{3E88370B-4DF7-4997-947C-9B04C461D63F}" type="datetimeFigureOut">
               <a:rPr lang="en-US" smtClean="0"/>
-              <a:t>4/3/2018</a:t>
+              <a:t>4/5/2018</a:t>
             </a:fld>
             <a:endParaRPr lang="en-US"/>
           </a:p>
@@ -3218,7 +3203,10 @@
             <a:endParaRPr lang="en-US" dirty="0"/>
           </a:p>
           <a:p>
-            <a:endParaRPr lang="en-US" dirty="0"/>
+            <a:r>
+              <a:rPr lang="en-US" dirty="0"/>
+              <a:t>	MOD_JK</a:t>
+            </a:r>
           </a:p>
           <a:p>
             <a:endParaRPr lang="en-US" dirty="0"/>
@@ -3236,7 +3224,10 @@
             <a:endParaRPr lang="en-US" dirty="0"/>
           </a:p>
           <a:p>
-            <a:endParaRPr lang="en-US" dirty="0"/>
+            <a:r>
+              <a:rPr lang="en-US" dirty="0"/>
+              <a:t>	JDBC</a:t>
+            </a:r>
           </a:p>
           <a:p>
             <a:endParaRPr lang="en-US" dirty="0"/>
@@ -3260,6 +3251,708 @@
     <p:extLst>
       <p:ext uri="{BB962C8B-B14F-4D97-AF65-F5344CB8AC3E}">
         <p14:creationId xmlns:p14="http://schemas.microsoft.com/office/powerpoint/2010/main" val="2072080169"/>
+      </p:ext>
+    </p:extLst>
+  </p:cSld>
+  <p:clrMapOvr>
+    <a:masterClrMapping/>
+  </p:clrMapOvr>
+</p:sld>
+</file>
+
+<file path=ppt/slides/slide2.xml><?xml version="1.0" encoding="utf-8"?>
+<p:sld xmlns:a="http://schemas.openxmlformats.org/drawingml/2006/main" xmlns:r="http://schemas.openxmlformats.org/officeDocument/2006/relationships" xmlns:p="http://schemas.openxmlformats.org/presentationml/2006/main">
+  <p:cSld>
+    <p:spTree>
+      <p:nvGrpSpPr>
+        <p:cNvPr id="1" name=""/>
+        <p:cNvGrpSpPr/>
+        <p:nvPr/>
+      </p:nvGrpSpPr>
+      <p:grpSpPr>
+        <a:xfrm>
+          <a:off x="0" y="0"/>
+          <a:ext cx="0" cy="0"/>
+          <a:chOff x="0" y="0"/>
+          <a:chExt cx="0" cy="0"/>
+        </a:xfrm>
+      </p:grpSpPr>
+      <p:sp>
+        <p:nvSpPr>
+          <p:cNvPr id="4" name="Rectangle 3"/>
+          <p:cNvSpPr/>
+          <p:nvPr/>
+        </p:nvSpPr>
+        <p:spPr>
+          <a:xfrm>
+            <a:off x="3919993" y="1256306"/>
+            <a:ext cx="3514476" cy="691764"/>
+          </a:xfrm>
+          <a:prstGeom prst="rect">
+            <a:avLst/>
+          </a:prstGeom>
+          <a:solidFill>
+            <a:schemeClr val="accent1">
+              <a:lumMod val="40000"/>
+              <a:lumOff val="60000"/>
+            </a:schemeClr>
+          </a:solidFill>
+        </p:spPr>
+        <p:style>
+          <a:lnRef idx="2">
+            <a:schemeClr val="accent1">
+              <a:shade val="50000"/>
+            </a:schemeClr>
+          </a:lnRef>
+          <a:fillRef idx="1">
+            <a:schemeClr val="accent1"/>
+          </a:fillRef>
+          <a:effectRef idx="0">
+            <a:schemeClr val="accent1"/>
+          </a:effectRef>
+          <a:fontRef idx="minor">
+            <a:schemeClr val="lt1"/>
+          </a:fontRef>
+        </p:style>
+        <p:txBody>
+          <a:bodyPr rtlCol="0" anchor="ctr"/>
+          <a:lstStyle/>
+          <a:p>
+            <a:pPr algn="ctr"/>
+            <a:r>
+              <a:rPr lang="en-US" dirty="0">
+                <a:solidFill>
+                  <a:schemeClr val="tx1"/>
+                </a:solidFill>
+              </a:rPr>
+              <a:t>Load Balancer</a:t>
+            </a:r>
+          </a:p>
+        </p:txBody>
+      </p:sp>
+      <p:sp>
+        <p:nvSpPr>
+          <p:cNvPr id="5" name="Rectangle: Rounded Corners 4"/>
+          <p:cNvSpPr/>
+          <p:nvPr/>
+        </p:nvSpPr>
+        <p:spPr>
+          <a:xfrm>
+            <a:off x="3156667" y="2544416"/>
+            <a:ext cx="2107096" cy="2687541"/>
+          </a:xfrm>
+          <a:prstGeom prst="roundRect">
+            <a:avLst/>
+          </a:prstGeom>
+          <a:noFill/>
+        </p:spPr>
+        <p:style>
+          <a:lnRef idx="2">
+            <a:schemeClr val="accent1">
+              <a:shade val="50000"/>
+            </a:schemeClr>
+          </a:lnRef>
+          <a:fillRef idx="1">
+            <a:schemeClr val="accent1"/>
+          </a:fillRef>
+          <a:effectRef idx="0">
+            <a:schemeClr val="accent1"/>
+          </a:effectRef>
+          <a:fontRef idx="minor">
+            <a:schemeClr val="lt1"/>
+          </a:fontRef>
+        </p:style>
+        <p:txBody>
+          <a:bodyPr rtlCol="0" anchor="ctr"/>
+          <a:lstStyle/>
+          <a:p>
+            <a:pPr algn="ctr"/>
+            <a:endParaRPr lang="en-US"/>
+          </a:p>
+        </p:txBody>
+      </p:sp>
+      <p:sp>
+        <p:nvSpPr>
+          <p:cNvPr id="6" name="Rectangle: Rounded Corners 5"/>
+          <p:cNvSpPr/>
+          <p:nvPr/>
+        </p:nvSpPr>
+        <p:spPr>
+          <a:xfrm>
+            <a:off x="6306710" y="2544416"/>
+            <a:ext cx="2107096" cy="2687541"/>
+          </a:xfrm>
+          <a:prstGeom prst="roundRect">
+            <a:avLst/>
+          </a:prstGeom>
+          <a:noFill/>
+        </p:spPr>
+        <p:style>
+          <a:lnRef idx="2">
+            <a:schemeClr val="accent1">
+              <a:shade val="50000"/>
+            </a:schemeClr>
+          </a:lnRef>
+          <a:fillRef idx="1">
+            <a:schemeClr val="accent1"/>
+          </a:fillRef>
+          <a:effectRef idx="0">
+            <a:schemeClr val="accent1"/>
+          </a:effectRef>
+          <a:fontRef idx="minor">
+            <a:schemeClr val="lt1"/>
+          </a:fontRef>
+        </p:style>
+        <p:txBody>
+          <a:bodyPr rtlCol="0" anchor="ctr"/>
+          <a:lstStyle/>
+          <a:p>
+            <a:pPr algn="ctr"/>
+            <a:endParaRPr lang="en-US"/>
+          </a:p>
+        </p:txBody>
+      </p:sp>
+      <p:sp>
+        <p:nvSpPr>
+          <p:cNvPr id="7" name="Rectangle 6"/>
+          <p:cNvSpPr/>
+          <p:nvPr/>
+        </p:nvSpPr>
+        <p:spPr>
+          <a:xfrm>
+            <a:off x="4905955" y="5645426"/>
+            <a:ext cx="1796995" cy="1089329"/>
+          </a:xfrm>
+          <a:prstGeom prst="rect">
+            <a:avLst/>
+          </a:prstGeom>
+          <a:solidFill>
+            <a:schemeClr val="accent6">
+              <a:lumMod val="40000"/>
+              <a:lumOff val="60000"/>
+            </a:schemeClr>
+          </a:solidFill>
+        </p:spPr>
+        <p:style>
+          <a:lnRef idx="2">
+            <a:schemeClr val="accent1">
+              <a:shade val="50000"/>
+            </a:schemeClr>
+          </a:lnRef>
+          <a:fillRef idx="1">
+            <a:schemeClr val="accent1"/>
+          </a:fillRef>
+          <a:effectRef idx="0">
+            <a:schemeClr val="accent1"/>
+          </a:effectRef>
+          <a:fontRef idx="minor">
+            <a:schemeClr val="lt1"/>
+          </a:fontRef>
+        </p:style>
+        <p:txBody>
+          <a:bodyPr rtlCol="0" anchor="ctr"/>
+          <a:lstStyle/>
+          <a:p>
+            <a:pPr algn="ctr"/>
+            <a:r>
+              <a:rPr lang="en-US" dirty="0">
+                <a:solidFill>
+                  <a:schemeClr val="tx1"/>
+                </a:solidFill>
+              </a:rPr>
+              <a:t>DB Server</a:t>
+            </a:r>
+          </a:p>
+        </p:txBody>
+      </p:sp>
+      <p:sp>
+        <p:nvSpPr>
+          <p:cNvPr id="8" name="Rectangle 7"/>
+          <p:cNvSpPr/>
+          <p:nvPr/>
+        </p:nvSpPr>
+        <p:spPr>
+          <a:xfrm>
+            <a:off x="3355450" y="3069203"/>
+            <a:ext cx="1669774" cy="659959"/>
+          </a:xfrm>
+          <a:prstGeom prst="rect">
+            <a:avLst/>
+          </a:prstGeom>
+          <a:solidFill>
+            <a:schemeClr val="accent4">
+              <a:lumMod val="75000"/>
+            </a:schemeClr>
+          </a:solidFill>
+        </p:spPr>
+        <p:style>
+          <a:lnRef idx="2">
+            <a:schemeClr val="accent1">
+              <a:shade val="50000"/>
+            </a:schemeClr>
+          </a:lnRef>
+          <a:fillRef idx="1">
+            <a:schemeClr val="accent1"/>
+          </a:fillRef>
+          <a:effectRef idx="0">
+            <a:schemeClr val="accent1"/>
+          </a:effectRef>
+          <a:fontRef idx="minor">
+            <a:schemeClr val="lt1"/>
+          </a:fontRef>
+        </p:style>
+        <p:txBody>
+          <a:bodyPr rtlCol="0" anchor="ctr"/>
+          <a:lstStyle/>
+          <a:p>
+            <a:pPr algn="ctr"/>
+            <a:r>
+              <a:rPr lang="en-US" dirty="0">
+                <a:solidFill>
+                  <a:schemeClr val="tx1"/>
+                </a:solidFill>
+              </a:rPr>
+              <a:t>Web Service</a:t>
+            </a:r>
+          </a:p>
+        </p:txBody>
+      </p:sp>
+      <p:sp>
+        <p:nvSpPr>
+          <p:cNvPr id="9" name="Rectangle 8"/>
+          <p:cNvSpPr/>
+          <p:nvPr/>
+        </p:nvSpPr>
+        <p:spPr>
+          <a:xfrm>
+            <a:off x="6525371" y="3069202"/>
+            <a:ext cx="1669774" cy="659959"/>
+          </a:xfrm>
+          <a:prstGeom prst="rect">
+            <a:avLst/>
+          </a:prstGeom>
+          <a:solidFill>
+            <a:schemeClr val="accent4">
+              <a:lumMod val="75000"/>
+            </a:schemeClr>
+          </a:solidFill>
+        </p:spPr>
+        <p:style>
+          <a:lnRef idx="2">
+            <a:schemeClr val="accent1">
+              <a:shade val="50000"/>
+            </a:schemeClr>
+          </a:lnRef>
+          <a:fillRef idx="1">
+            <a:schemeClr val="accent1"/>
+          </a:fillRef>
+          <a:effectRef idx="0">
+            <a:schemeClr val="accent1"/>
+          </a:effectRef>
+          <a:fontRef idx="minor">
+            <a:schemeClr val="lt1"/>
+          </a:fontRef>
+        </p:style>
+        <p:txBody>
+          <a:bodyPr rtlCol="0" anchor="ctr"/>
+          <a:lstStyle/>
+          <a:p>
+            <a:pPr algn="ctr"/>
+            <a:r>
+              <a:rPr lang="en-US" dirty="0">
+                <a:solidFill>
+                  <a:schemeClr val="tx1"/>
+                </a:solidFill>
+              </a:rPr>
+              <a:t>Web Service</a:t>
+            </a:r>
+          </a:p>
+        </p:txBody>
+      </p:sp>
+      <p:sp>
+        <p:nvSpPr>
+          <p:cNvPr id="10" name="Rectangle 9"/>
+          <p:cNvSpPr/>
+          <p:nvPr/>
+        </p:nvSpPr>
+        <p:spPr>
+          <a:xfrm>
+            <a:off x="3355450" y="4150580"/>
+            <a:ext cx="1669774" cy="659959"/>
+          </a:xfrm>
+          <a:prstGeom prst="rect">
+            <a:avLst/>
+          </a:prstGeom>
+          <a:solidFill>
+            <a:schemeClr val="accent2">
+              <a:lumMod val="60000"/>
+              <a:lumOff val="40000"/>
+            </a:schemeClr>
+          </a:solidFill>
+        </p:spPr>
+        <p:style>
+          <a:lnRef idx="2">
+            <a:schemeClr val="accent1">
+              <a:shade val="50000"/>
+            </a:schemeClr>
+          </a:lnRef>
+          <a:fillRef idx="1">
+            <a:schemeClr val="accent1"/>
+          </a:fillRef>
+          <a:effectRef idx="0">
+            <a:schemeClr val="accent1"/>
+          </a:effectRef>
+          <a:fontRef idx="minor">
+            <a:schemeClr val="lt1"/>
+          </a:fontRef>
+        </p:style>
+        <p:txBody>
+          <a:bodyPr rtlCol="0" anchor="ctr"/>
+          <a:lstStyle/>
+          <a:p>
+            <a:pPr algn="ctr"/>
+            <a:r>
+              <a:rPr lang="en-US" dirty="0">
+                <a:solidFill>
+                  <a:schemeClr val="tx1"/>
+                </a:solidFill>
+              </a:rPr>
+              <a:t>App Service</a:t>
+            </a:r>
+          </a:p>
+        </p:txBody>
+      </p:sp>
+      <p:sp>
+        <p:nvSpPr>
+          <p:cNvPr id="11" name="Rectangle 10"/>
+          <p:cNvSpPr/>
+          <p:nvPr/>
+        </p:nvSpPr>
+        <p:spPr>
+          <a:xfrm>
+            <a:off x="6525371" y="4142630"/>
+            <a:ext cx="1669774" cy="659959"/>
+          </a:xfrm>
+          <a:prstGeom prst="rect">
+            <a:avLst/>
+          </a:prstGeom>
+          <a:solidFill>
+            <a:schemeClr val="accent2">
+              <a:lumMod val="60000"/>
+              <a:lumOff val="40000"/>
+            </a:schemeClr>
+          </a:solidFill>
+        </p:spPr>
+        <p:style>
+          <a:lnRef idx="2">
+            <a:schemeClr val="accent1">
+              <a:shade val="50000"/>
+            </a:schemeClr>
+          </a:lnRef>
+          <a:fillRef idx="1">
+            <a:schemeClr val="accent1"/>
+          </a:fillRef>
+          <a:effectRef idx="0">
+            <a:schemeClr val="accent1"/>
+          </a:effectRef>
+          <a:fontRef idx="minor">
+            <a:schemeClr val="lt1"/>
+          </a:fontRef>
+        </p:style>
+        <p:txBody>
+          <a:bodyPr rtlCol="0" anchor="ctr"/>
+          <a:lstStyle/>
+          <a:p>
+            <a:pPr algn="ctr"/>
+            <a:r>
+              <a:rPr lang="en-US" dirty="0">
+                <a:solidFill>
+                  <a:schemeClr val="tx1"/>
+                </a:solidFill>
+              </a:rPr>
+              <a:t>App Service</a:t>
+            </a:r>
+          </a:p>
+        </p:txBody>
+      </p:sp>
+      <p:cxnSp>
+        <p:nvCxnSpPr>
+          <p:cNvPr id="13" name="Straight Arrow Connector 12"/>
+          <p:cNvCxnSpPr/>
+          <p:nvPr/>
+        </p:nvCxnSpPr>
+        <p:spPr>
+          <a:xfrm flipH="1">
+            <a:off x="4210215" y="1820849"/>
+            <a:ext cx="1117159" cy="985961"/>
+          </a:xfrm>
+          <a:prstGeom prst="straightConnector1">
+            <a:avLst/>
+          </a:prstGeom>
+          <a:ln w="28575">
+            <a:tailEnd type="triangle"/>
+          </a:ln>
+        </p:spPr>
+        <p:style>
+          <a:lnRef idx="1">
+            <a:schemeClr val="accent1"/>
+          </a:lnRef>
+          <a:fillRef idx="0">
+            <a:schemeClr val="accent1"/>
+          </a:fillRef>
+          <a:effectRef idx="0">
+            <a:schemeClr val="accent1"/>
+          </a:effectRef>
+          <a:fontRef idx="minor">
+            <a:schemeClr val="tx1"/>
+          </a:fontRef>
+        </p:style>
+      </p:cxnSp>
+      <p:cxnSp>
+        <p:nvCxnSpPr>
+          <p:cNvPr id="14" name="Straight Arrow Connector 13"/>
+          <p:cNvCxnSpPr/>
+          <p:nvPr/>
+        </p:nvCxnSpPr>
+        <p:spPr>
+          <a:xfrm>
+            <a:off x="6176176" y="1804946"/>
+            <a:ext cx="1258293" cy="1001864"/>
+          </a:xfrm>
+          <a:prstGeom prst="straightConnector1">
+            <a:avLst/>
+          </a:prstGeom>
+          <a:ln w="28575">
+            <a:tailEnd type="triangle"/>
+          </a:ln>
+        </p:spPr>
+        <p:style>
+          <a:lnRef idx="1">
+            <a:schemeClr val="accent1"/>
+          </a:lnRef>
+          <a:fillRef idx="0">
+            <a:schemeClr val="accent1"/>
+          </a:fillRef>
+          <a:effectRef idx="0">
+            <a:schemeClr val="accent1"/>
+          </a:effectRef>
+          <a:fontRef idx="minor">
+            <a:schemeClr val="tx1"/>
+          </a:fontRef>
+        </p:style>
+      </p:cxnSp>
+      <p:cxnSp>
+        <p:nvCxnSpPr>
+          <p:cNvPr id="17" name="Straight Arrow Connector 16"/>
+          <p:cNvCxnSpPr/>
+          <p:nvPr/>
+        </p:nvCxnSpPr>
+        <p:spPr>
+          <a:xfrm>
+            <a:off x="4627659" y="5049078"/>
+            <a:ext cx="858741" cy="795131"/>
+          </a:xfrm>
+          <a:prstGeom prst="straightConnector1">
+            <a:avLst/>
+          </a:prstGeom>
+          <a:ln>
+            <a:tailEnd type="triangle"/>
+          </a:ln>
+        </p:spPr>
+        <p:style>
+          <a:lnRef idx="1">
+            <a:schemeClr val="accent1"/>
+          </a:lnRef>
+          <a:fillRef idx="0">
+            <a:schemeClr val="accent1"/>
+          </a:fillRef>
+          <a:effectRef idx="0">
+            <a:schemeClr val="accent1"/>
+          </a:effectRef>
+          <a:fontRef idx="minor">
+            <a:schemeClr val="tx1"/>
+          </a:fontRef>
+        </p:style>
+      </p:cxnSp>
+      <p:cxnSp>
+        <p:nvCxnSpPr>
+          <p:cNvPr id="19" name="Straight Arrow Connector 18"/>
+          <p:cNvCxnSpPr/>
+          <p:nvPr/>
+        </p:nvCxnSpPr>
+        <p:spPr>
+          <a:xfrm flipH="1">
+            <a:off x="6241774" y="5049078"/>
+            <a:ext cx="803082" cy="795131"/>
+          </a:xfrm>
+          <a:prstGeom prst="straightConnector1">
+            <a:avLst/>
+          </a:prstGeom>
+          <a:ln>
+            <a:tailEnd type="triangle"/>
+          </a:ln>
+        </p:spPr>
+        <p:style>
+          <a:lnRef idx="1">
+            <a:schemeClr val="accent1"/>
+          </a:lnRef>
+          <a:fillRef idx="0">
+            <a:schemeClr val="accent1"/>
+          </a:fillRef>
+          <a:effectRef idx="0">
+            <a:schemeClr val="accent1"/>
+          </a:effectRef>
+          <a:fontRef idx="minor">
+            <a:schemeClr val="tx1"/>
+          </a:fontRef>
+        </p:style>
+      </p:cxnSp>
+      <p:sp>
+        <p:nvSpPr>
+          <p:cNvPr id="20" name="TextBox 19"/>
+          <p:cNvSpPr txBox="1"/>
+          <p:nvPr/>
+        </p:nvSpPr>
+        <p:spPr>
+          <a:xfrm>
+            <a:off x="3467366" y="4884693"/>
+            <a:ext cx="809837" cy="369332"/>
+          </a:xfrm>
+          <a:prstGeom prst="rect">
+            <a:avLst/>
+          </a:prstGeom>
+          <a:noFill/>
+        </p:spPr>
+        <p:txBody>
+          <a:bodyPr wrap="none" rtlCol="0">
+            <a:spAutoFit/>
+          </a:bodyPr>
+          <a:lstStyle/>
+          <a:p>
+            <a:r>
+              <a:rPr lang="en-US" dirty="0"/>
+              <a:t>Node1</a:t>
+            </a:r>
+          </a:p>
+        </p:txBody>
+      </p:sp>
+      <p:sp>
+        <p:nvSpPr>
+          <p:cNvPr id="21" name="TextBox 20"/>
+          <p:cNvSpPr txBox="1"/>
+          <p:nvPr/>
+        </p:nvSpPr>
+        <p:spPr>
+          <a:xfrm>
+            <a:off x="7320436" y="4846726"/>
+            <a:ext cx="809837" cy="369332"/>
+          </a:xfrm>
+          <a:prstGeom prst="rect">
+            <a:avLst/>
+          </a:prstGeom>
+          <a:noFill/>
+        </p:spPr>
+        <p:txBody>
+          <a:bodyPr wrap="none" rtlCol="0">
+            <a:spAutoFit/>
+          </a:bodyPr>
+          <a:lstStyle/>
+          <a:p>
+            <a:r>
+              <a:rPr lang="en-US" dirty="0"/>
+              <a:t>Node2</a:t>
+            </a:r>
+          </a:p>
+        </p:txBody>
+      </p:sp>
+      <p:pic>
+        <p:nvPicPr>
+          <p:cNvPr id="1026" name="Picture 2" descr="Image result for end users"/>
+          <p:cNvPicPr>
+            <a:picLocks noChangeAspect="1" noChangeArrowheads="1"/>
+          </p:cNvPicPr>
+          <p:nvPr/>
+        </p:nvPicPr>
+        <p:blipFill>
+          <a:blip r:embed="rId2">
+            <a:extLst>
+              <a:ext uri="{28A0092B-C50C-407E-A947-70E740481C1C}">
+                <a14:useLocalDpi xmlns:a14="http://schemas.microsoft.com/office/drawing/2010/main" val="0"/>
+              </a:ext>
+            </a:extLst>
+          </a:blip>
+          <a:srcRect/>
+          <a:stretch>
+            <a:fillRect/>
+          </a:stretch>
+        </p:blipFill>
+        <p:spPr bwMode="auto">
+          <a:xfrm>
+            <a:off x="5263763" y="52569"/>
+            <a:ext cx="756480" cy="689993"/>
+          </a:xfrm>
+          <a:prstGeom prst="rect">
+            <a:avLst/>
+          </a:prstGeom>
+          <a:noFill/>
+          <a:extLst>
+            <a:ext uri="{909E8E84-426E-40DD-AFC4-6F175D3DCCD1}">
+              <a14:hiddenFill xmlns:a14="http://schemas.microsoft.com/office/drawing/2010/main">
+                <a:solidFill>
+                  <a:srgbClr val="FFFFFF"/>
+                </a:solidFill>
+              </a14:hiddenFill>
+            </a:ext>
+          </a:extLst>
+        </p:spPr>
+      </p:pic>
+      <p:sp>
+        <p:nvSpPr>
+          <p:cNvPr id="22" name="Arrow: Down 21"/>
+          <p:cNvSpPr/>
+          <p:nvPr/>
+        </p:nvSpPr>
+        <p:spPr>
+          <a:xfrm>
+            <a:off x="5438692" y="818984"/>
+            <a:ext cx="477078" cy="437322"/>
+          </a:xfrm>
+          <a:prstGeom prst="downArrow">
+            <a:avLst/>
+          </a:prstGeom>
+          <a:solidFill>
+            <a:srgbClr val="FFFF00"/>
+          </a:solidFill>
+        </p:spPr>
+        <p:style>
+          <a:lnRef idx="2">
+            <a:schemeClr val="accent1">
+              <a:shade val="50000"/>
+            </a:schemeClr>
+          </a:lnRef>
+          <a:fillRef idx="1">
+            <a:schemeClr val="accent1"/>
+          </a:fillRef>
+          <a:effectRef idx="0">
+            <a:schemeClr val="accent1"/>
+          </a:effectRef>
+          <a:fontRef idx="minor">
+            <a:schemeClr val="lt1"/>
+          </a:fontRef>
+        </p:style>
+        <p:txBody>
+          <a:bodyPr rtlCol="0" anchor="ctr"/>
+          <a:lstStyle/>
+          <a:p>
+            <a:pPr algn="ctr"/>
+            <a:endParaRPr lang="en-US"/>
+          </a:p>
+        </p:txBody>
+      </p:sp>
+    </p:spTree>
+    <p:extLst>
+      <p:ext uri="{BB962C8B-B14F-4D97-AF65-F5344CB8AC3E}">
+        <p14:creationId xmlns:p14="http://schemas.microsoft.com/office/powerpoint/2010/main" val="4094801738"/>
       </p:ext>
     </p:extLst>
   </p:cSld>

--- a/Architecture.pptx
+++ b/Architecture.pptx
@@ -7,6 +7,7 @@
   <p:sldIdLst>
     <p:sldId id="256" r:id="rId2"/>
     <p:sldId id="257" r:id="rId3"/>
+    <p:sldId id="258" r:id="rId4"/>
   </p:sldIdLst>
   <p:sldSz cx="12192000" cy="6858000"/>
   <p:notesSz cx="6858000" cy="9144000"/>
@@ -242,7 +243,7 @@
           <a:p>
             <a:fld id="{3E88370B-4DF7-4997-947C-9B04C461D63F}" type="datetimeFigureOut">
               <a:rPr lang="en-US" smtClean="0"/>
-              <a:t>4/5/2018</a:t>
+              <a:t>4/7/2018</a:t>
             </a:fld>
             <a:endParaRPr lang="en-US"/>
           </a:p>
@@ -410,7 +411,7 @@
           <a:p>
             <a:fld id="{3E88370B-4DF7-4997-947C-9B04C461D63F}" type="datetimeFigureOut">
               <a:rPr lang="en-US" smtClean="0"/>
-              <a:t>4/5/2018</a:t>
+              <a:t>4/7/2018</a:t>
             </a:fld>
             <a:endParaRPr lang="en-US"/>
           </a:p>
@@ -588,7 +589,7 @@
           <a:p>
             <a:fld id="{3E88370B-4DF7-4997-947C-9B04C461D63F}" type="datetimeFigureOut">
               <a:rPr lang="en-US" smtClean="0"/>
-              <a:t>4/5/2018</a:t>
+              <a:t>4/7/2018</a:t>
             </a:fld>
             <a:endParaRPr lang="en-US"/>
           </a:p>
@@ -756,7 +757,7 @@
           <a:p>
             <a:fld id="{3E88370B-4DF7-4997-947C-9B04C461D63F}" type="datetimeFigureOut">
               <a:rPr lang="en-US" smtClean="0"/>
-              <a:t>4/5/2018</a:t>
+              <a:t>4/7/2018</a:t>
             </a:fld>
             <a:endParaRPr lang="en-US"/>
           </a:p>
@@ -1001,7 +1002,7 @@
           <a:p>
             <a:fld id="{3E88370B-4DF7-4997-947C-9B04C461D63F}" type="datetimeFigureOut">
               <a:rPr lang="en-US" smtClean="0"/>
-              <a:t>4/5/2018</a:t>
+              <a:t>4/7/2018</a:t>
             </a:fld>
             <a:endParaRPr lang="en-US"/>
           </a:p>
@@ -1230,7 +1231,7 @@
           <a:p>
             <a:fld id="{3E88370B-4DF7-4997-947C-9B04C461D63F}" type="datetimeFigureOut">
               <a:rPr lang="en-US" smtClean="0"/>
-              <a:t>4/5/2018</a:t>
+              <a:t>4/7/2018</a:t>
             </a:fld>
             <a:endParaRPr lang="en-US"/>
           </a:p>
@@ -1594,7 +1595,7 @@
           <a:p>
             <a:fld id="{3E88370B-4DF7-4997-947C-9B04C461D63F}" type="datetimeFigureOut">
               <a:rPr lang="en-US" smtClean="0"/>
-              <a:t>4/5/2018</a:t>
+              <a:t>4/7/2018</a:t>
             </a:fld>
             <a:endParaRPr lang="en-US"/>
           </a:p>
@@ -1711,7 +1712,7 @@
           <a:p>
             <a:fld id="{3E88370B-4DF7-4997-947C-9B04C461D63F}" type="datetimeFigureOut">
               <a:rPr lang="en-US" smtClean="0"/>
-              <a:t>4/5/2018</a:t>
+              <a:t>4/7/2018</a:t>
             </a:fld>
             <a:endParaRPr lang="en-US"/>
           </a:p>
@@ -1806,7 +1807,7 @@
           <a:p>
             <a:fld id="{3E88370B-4DF7-4997-947C-9B04C461D63F}" type="datetimeFigureOut">
               <a:rPr lang="en-US" smtClean="0"/>
-              <a:t>4/5/2018</a:t>
+              <a:t>4/7/2018</a:t>
             </a:fld>
             <a:endParaRPr lang="en-US"/>
           </a:p>
@@ -2081,7 +2082,7 @@
           <a:p>
             <a:fld id="{3E88370B-4DF7-4997-947C-9B04C461D63F}" type="datetimeFigureOut">
               <a:rPr lang="en-US" smtClean="0"/>
-              <a:t>4/5/2018</a:t>
+              <a:t>4/7/2018</a:t>
             </a:fld>
             <a:endParaRPr lang="en-US"/>
           </a:p>
@@ -2333,7 +2334,7 @@
           <a:p>
             <a:fld id="{3E88370B-4DF7-4997-947C-9B04C461D63F}" type="datetimeFigureOut">
               <a:rPr lang="en-US" smtClean="0"/>
-              <a:t>4/5/2018</a:t>
+              <a:t>4/7/2018</a:t>
             </a:fld>
             <a:endParaRPr lang="en-US"/>
           </a:p>
@@ -2544,7 +2545,7 @@
           <a:p>
             <a:fld id="{3E88370B-4DF7-4997-947C-9B04C461D63F}" type="datetimeFigureOut">
               <a:rPr lang="en-US" smtClean="0"/>
-              <a:t>4/5/2018</a:t>
+              <a:t>4/7/2018</a:t>
             </a:fld>
             <a:endParaRPr lang="en-US"/>
           </a:p>
@@ -3962,6 +3963,258 @@
 </p:sld>
 </file>
 
+<file path=ppt/slides/slide3.xml><?xml version="1.0" encoding="utf-8"?>
+<p:sld xmlns:a="http://schemas.openxmlformats.org/drawingml/2006/main" xmlns:r="http://schemas.openxmlformats.org/officeDocument/2006/relationships" xmlns:p="http://schemas.openxmlformats.org/presentationml/2006/main">
+  <p:cSld>
+    <p:spTree>
+      <p:nvGrpSpPr>
+        <p:cNvPr id="1" name=""/>
+        <p:cNvGrpSpPr/>
+        <p:nvPr/>
+      </p:nvGrpSpPr>
+      <p:grpSpPr>
+        <a:xfrm>
+          <a:off x="0" y="0"/>
+          <a:ext cx="0" cy="0"/>
+          <a:chOff x="0" y="0"/>
+          <a:chExt cx="0" cy="0"/>
+        </a:xfrm>
+      </p:grpSpPr>
+      <p:sp>
+        <p:nvSpPr>
+          <p:cNvPr id="4" name="TextBox 3"/>
+          <p:cNvSpPr txBox="1"/>
+          <p:nvPr/>
+        </p:nvSpPr>
+        <p:spPr>
+          <a:xfrm>
+            <a:off x="1009816" y="357809"/>
+            <a:ext cx="2061270" cy="369332"/>
+          </a:xfrm>
+          <a:prstGeom prst="rect">
+            <a:avLst/>
+          </a:prstGeom>
+          <a:noFill/>
+        </p:spPr>
+        <p:txBody>
+          <a:bodyPr wrap="none" rtlCol="0">
+            <a:spAutoFit/>
+          </a:bodyPr>
+          <a:lstStyle/>
+          <a:p>
+            <a:r>
+              <a:rPr lang="en-US" dirty="0"/>
+              <a:t>Stack 2 Architecture</a:t>
+            </a:r>
+          </a:p>
+        </p:txBody>
+      </p:sp>
+      <p:sp>
+        <p:nvSpPr>
+          <p:cNvPr id="5" name="Rectangle 4"/>
+          <p:cNvSpPr/>
+          <p:nvPr/>
+        </p:nvSpPr>
+        <p:spPr>
+          <a:xfrm>
+            <a:off x="3071086" y="2130950"/>
+            <a:ext cx="3782938" cy="811033"/>
+          </a:xfrm>
+          <a:prstGeom prst="rect">
+            <a:avLst/>
+          </a:prstGeom>
+        </p:spPr>
+        <p:style>
+          <a:lnRef idx="2">
+            <a:schemeClr val="accent1">
+              <a:shade val="50000"/>
+            </a:schemeClr>
+          </a:lnRef>
+          <a:fillRef idx="1">
+            <a:schemeClr val="accent1"/>
+          </a:fillRef>
+          <a:effectRef idx="0">
+            <a:schemeClr val="accent1"/>
+          </a:effectRef>
+          <a:fontRef idx="minor">
+            <a:schemeClr val="lt1"/>
+          </a:fontRef>
+        </p:style>
+        <p:txBody>
+          <a:bodyPr rtlCol="0" anchor="ctr"/>
+          <a:lstStyle/>
+          <a:p>
+            <a:pPr algn="ctr"/>
+            <a:r>
+              <a:rPr lang="en-US" dirty="0"/>
+              <a:t>Web Server</a:t>
+            </a:r>
+          </a:p>
+        </p:txBody>
+      </p:sp>
+      <p:sp>
+        <p:nvSpPr>
+          <p:cNvPr id="6" name="Rectangle 5"/>
+          <p:cNvSpPr/>
+          <p:nvPr/>
+        </p:nvSpPr>
+        <p:spPr>
+          <a:xfrm>
+            <a:off x="3071086" y="3468095"/>
+            <a:ext cx="3782938" cy="811033"/>
+          </a:xfrm>
+          <a:prstGeom prst="rect">
+            <a:avLst/>
+          </a:prstGeom>
+        </p:spPr>
+        <p:style>
+          <a:lnRef idx="2">
+            <a:schemeClr val="accent1">
+              <a:shade val="50000"/>
+            </a:schemeClr>
+          </a:lnRef>
+          <a:fillRef idx="1">
+            <a:schemeClr val="accent1"/>
+          </a:fillRef>
+          <a:effectRef idx="0">
+            <a:schemeClr val="accent1"/>
+          </a:effectRef>
+          <a:fontRef idx="minor">
+            <a:schemeClr val="lt1"/>
+          </a:fontRef>
+        </p:style>
+        <p:txBody>
+          <a:bodyPr rtlCol="0" anchor="ctr"/>
+          <a:lstStyle/>
+          <a:p>
+            <a:pPr algn="ctr"/>
+            <a:r>
+              <a:rPr lang="en-US" dirty="0"/>
+              <a:t>App Server</a:t>
+            </a:r>
+          </a:p>
+        </p:txBody>
+      </p:sp>
+      <p:sp>
+        <p:nvSpPr>
+          <p:cNvPr id="7" name="Rectangle 6"/>
+          <p:cNvSpPr/>
+          <p:nvPr/>
+        </p:nvSpPr>
+        <p:spPr>
+          <a:xfrm>
+            <a:off x="3071086" y="4805240"/>
+            <a:ext cx="3782938" cy="811033"/>
+          </a:xfrm>
+          <a:prstGeom prst="rect">
+            <a:avLst/>
+          </a:prstGeom>
+        </p:spPr>
+        <p:style>
+          <a:lnRef idx="2">
+            <a:schemeClr val="accent1">
+              <a:shade val="50000"/>
+            </a:schemeClr>
+          </a:lnRef>
+          <a:fillRef idx="1">
+            <a:schemeClr val="accent1"/>
+          </a:fillRef>
+          <a:effectRef idx="0">
+            <a:schemeClr val="accent1"/>
+          </a:effectRef>
+          <a:fontRef idx="minor">
+            <a:schemeClr val="lt1"/>
+          </a:fontRef>
+        </p:style>
+        <p:txBody>
+          <a:bodyPr rtlCol="0" anchor="ctr"/>
+          <a:lstStyle/>
+          <a:p>
+            <a:pPr algn="ctr"/>
+            <a:r>
+              <a:rPr lang="en-US" dirty="0"/>
+              <a:t>DB Server</a:t>
+            </a:r>
+          </a:p>
+        </p:txBody>
+      </p:sp>
+      <p:sp>
+        <p:nvSpPr>
+          <p:cNvPr id="8" name="TextBox 7"/>
+          <p:cNvSpPr txBox="1"/>
+          <p:nvPr/>
+        </p:nvSpPr>
+        <p:spPr>
+          <a:xfrm>
+            <a:off x="3196424" y="2213300"/>
+            <a:ext cx="721223" cy="646331"/>
+          </a:xfrm>
+          <a:prstGeom prst="rect">
+            <a:avLst/>
+          </a:prstGeom>
+          <a:noFill/>
+        </p:spPr>
+        <p:txBody>
+          <a:bodyPr wrap="none" rtlCol="0">
+            <a:spAutoFit/>
+          </a:bodyPr>
+          <a:lstStyle/>
+          <a:p>
+            <a:r>
+              <a:rPr lang="en-US" dirty="0"/>
+              <a:t>Web</a:t>
+            </a:r>
+          </a:p>
+          <a:p>
+            <a:r>
+              <a:rPr lang="en-US" dirty="0"/>
+              <a:t>Pages</a:t>
+            </a:r>
+          </a:p>
+        </p:txBody>
+      </p:sp>
+      <p:sp>
+        <p:nvSpPr>
+          <p:cNvPr id="10" name="TextBox 9"/>
+          <p:cNvSpPr txBox="1"/>
+          <p:nvPr/>
+        </p:nvSpPr>
+        <p:spPr>
+          <a:xfrm>
+            <a:off x="1467217" y="727141"/>
+            <a:ext cx="1146468" cy="369332"/>
+          </a:xfrm>
+          <a:prstGeom prst="rect">
+            <a:avLst/>
+          </a:prstGeom>
+          <a:noFill/>
+        </p:spPr>
+        <p:txBody>
+          <a:bodyPr wrap="none" rtlCol="0">
+            <a:spAutoFit/>
+          </a:bodyPr>
+          <a:lstStyle/>
+          <a:p>
+            <a:r>
+              <a:rPr lang="en-US" dirty="0"/>
+              <a:t>Angular JS</a:t>
+            </a:r>
+          </a:p>
+        </p:txBody>
+      </p:sp>
+    </p:spTree>
+    <p:extLst>
+      <p:ext uri="{BB962C8B-B14F-4D97-AF65-F5344CB8AC3E}">
+        <p14:creationId xmlns:p14="http://schemas.microsoft.com/office/powerpoint/2010/main" val="3269701312"/>
+      </p:ext>
+    </p:extLst>
+  </p:cSld>
+  <p:clrMapOvr>
+    <a:masterClrMapping/>
+  </p:clrMapOvr>
+</p:sld>
+</file>
+
 <file path=ppt/theme/theme1.xml><?xml version="1.0" encoding="utf-8"?>
 <a:theme xmlns:a="http://schemas.openxmlformats.org/drawingml/2006/main" name="Office Theme">
   <a:themeElements>
